--- a/PPT/AngularJS-07-Sreda-Jun-17.pptx
+++ b/PPT/AngularJS-07-Sreda-Jun-17.pptx
@@ -204,7 +204,7 @@
           <a:p>
             <a:fld id="{5F0EABF2-0DA8-4D73-92C5-4380F4D28A7C}" type="datetimeFigureOut">
               <a:rPr lang="en-US" smtClean="0"/>
-              <a:t>6/8/2015</a:t>
+              <a:t>6/9/2015</a:t>
             </a:fld>
             <a:endParaRPr lang="en-US"/>
           </a:p>

--- a/PPT/AngularJS-07-Sreda-Jun-17.pptx
+++ b/PPT/AngularJS-07-Sreda-Jun-17.pptx
@@ -204,7 +204,7 @@
           <a:p>
             <a:fld id="{5F0EABF2-0DA8-4D73-92C5-4380F4D28A7C}" type="datetimeFigureOut">
               <a:rPr lang="en-US" smtClean="0"/>
-              <a:t>6/9/2015</a:t>
+              <a:t>6/15/2015</a:t>
             </a:fld>
             <a:endParaRPr lang="en-US"/>
           </a:p>
@@ -4559,7 +4559,23 @@
           <a:p>
             <a:r>
               <a:rPr lang="en-US" dirty="0" smtClean="0"/>
-              <a:t>GitHub</a:t>
+              <a:t>GitHub – </a:t>
+            </a:r>
+            <a:r>
+              <a:rPr lang="en-US" dirty="0" err="1" smtClean="0"/>
+              <a:t>ponavljanje</a:t>
+            </a:r>
+            <a:r>
+              <a:rPr lang="en-US" dirty="0" smtClean="0"/>
+              <a:t> od pro</a:t>
+            </a:r>
+            <a:r>
+              <a:rPr lang="sr-Latn-RS" dirty="0" err="1" smtClean="0"/>
+              <a:t>šli</a:t>
+            </a:r>
+            <a:r>
+              <a:rPr lang="sr-Latn-RS" smtClean="0"/>
+              <a:t> put</a:t>
             </a:r>
             <a:endParaRPr lang="en-US" dirty="0"/>
           </a:p>
